--- a/adapter/Adapter Pattern.pptx
+++ b/adapter/Adapter Pattern.pptx
@@ -5,19 +5,22 @@
     <p:sldMasterId id="2147483659" r:id="rId1"/>
   </p:sldMasterIdLst>
   <p:notesMasterIdLst>
-    <p:notesMasterId r:id="rId5"/>
+    <p:notesMasterId r:id="rId8"/>
   </p:notesMasterIdLst>
   <p:sldIdLst>
-    <p:sldId id="256" r:id="rId2"/>
-    <p:sldId id="257" r:id="rId3"/>
-    <p:sldId id="260" r:id="rId4"/>
+    <p:sldId id="263" r:id="rId2"/>
+    <p:sldId id="256" r:id="rId3"/>
+    <p:sldId id="257" r:id="rId4"/>
+    <p:sldId id="261" r:id="rId5"/>
+    <p:sldId id="260" r:id="rId6"/>
+    <p:sldId id="262" r:id="rId7"/>
   </p:sldIdLst>
   <p:sldSz cx="9144000" cy="5143500" type="screen16x9"/>
   <p:notesSz cx="6858000" cy="9144000"/>
   <p:embeddedFontLst>
     <p:embeddedFont>
       <p:font typeface="Varela Round" charset="-79"/>
-      <p:regular r:id="rId6"/>
+      <p:regular r:id="rId9"/>
     </p:embeddedFont>
   </p:embeddedFontLst>
   <p:defaultTextStyle>
@@ -725,7 +728,7 @@
         </p:nvSpPr>
         <p:spPr>
           <a:xfrm>
-            <a:off x="381300" y="685800"/>
+            <a:off x="381000" y="685800"/>
             <a:ext cx="6096000" cy="3429000"/>
           </a:xfrm>
           <a:custGeom>
@@ -933,7 +936,111 @@
         </p:nvSpPr>
         <p:spPr>
           <a:xfrm>
-            <a:off x="381300" y="685800"/>
+            <a:off x="381000" y="685800"/>
+            <a:ext cx="6096000" cy="3429000"/>
+          </a:xfrm>
+          <a:custGeom>
+            <a:avLst/>
+            <a:gdLst/>
+            <a:ahLst/>
+            <a:cxnLst/>
+            <a:rect l="0" t="0" r="0" b="0"/>
+            <a:pathLst>
+              <a:path w="120000" h="120000" extrusionOk="0">
+                <a:moveTo>
+                  <a:pt x="0" y="0"/>
+                </a:moveTo>
+                <a:lnTo>
+                  <a:pt x="120000" y="0"/>
+                </a:lnTo>
+                <a:lnTo>
+                  <a:pt x="120000" y="120000"/>
+                </a:lnTo>
+                <a:lnTo>
+                  <a:pt x="0" y="120000"/>
+                </a:lnTo>
+                <a:close/>
+              </a:path>
+            </a:pathLst>
+          </a:custGeom>
+        </p:spPr>
+      </p:sp>
+      <p:sp>
+        <p:nvSpPr>
+          <p:cNvPr id="92" name="Shape 92"/>
+          <p:cNvSpPr txBox="1">
+            <a:spLocks noGrp="1"/>
+          </p:cNvSpPr>
+          <p:nvPr>
+            <p:ph type="body" idx="1"/>
+          </p:nvPr>
+        </p:nvSpPr>
+        <p:spPr>
+          <a:xfrm>
+            <a:off x="685800" y="4343400"/>
+            <a:ext cx="5486400" cy="4114800"/>
+          </a:xfrm>
+          <a:prstGeom prst="rect">
+            <a:avLst/>
+          </a:prstGeom>
+        </p:spPr>
+        <p:txBody>
+          <a:bodyPr spcFirstLastPara="1" wrap="square" lIns="91425" tIns="91425" rIns="91425" bIns="91425" anchor="t" anchorCtr="0">
+            <a:noAutofit/>
+          </a:bodyPr>
+          <a:lstStyle/>
+          <a:p>
+            <a:pPr marL="0" lvl="0" indent="0" rtl="0">
+              <a:spcBef>
+                <a:spcPts val="0"/>
+              </a:spcBef>
+              <a:spcAft>
+                <a:spcPts val="0"/>
+              </a:spcAft>
+              <a:buNone/>
+            </a:pPr>
+            <a:endParaRPr/>
+          </a:p>
+        </p:txBody>
+      </p:sp>
+    </p:spTree>
+  </p:cSld>
+  <p:clrMapOvr>
+    <a:masterClrMapping/>
+  </p:clrMapOvr>
+</p:notes>
+</file>
+
+<file path=ppt/notesSlides/notesSlide4.xml><?xml version="1.0" encoding="utf-8"?>
+<p:notes xmlns:a="http://schemas.openxmlformats.org/drawingml/2006/main" xmlns:r="http://schemas.openxmlformats.org/officeDocument/2006/relationships" xmlns:p="http://schemas.openxmlformats.org/presentationml/2006/main" showMasterSp="0" showMasterPhAnim="0">
+  <p:cSld>
+    <p:spTree>
+      <p:nvGrpSpPr>
+        <p:cNvPr id="1" name="Shape 90"/>
+        <p:cNvGrpSpPr/>
+        <p:nvPr/>
+      </p:nvGrpSpPr>
+      <p:grpSpPr>
+        <a:xfrm>
+          <a:off x="0" y="0"/>
+          <a:ext cx="0" cy="0"/>
+          <a:chOff x="0" y="0"/>
+          <a:chExt cx="0" cy="0"/>
+        </a:xfrm>
+      </p:grpSpPr>
+      <p:sp>
+        <p:nvSpPr>
+          <p:cNvPr id="91" name="Shape 91"/>
+          <p:cNvSpPr>
+            <a:spLocks noGrp="1" noRot="1" noChangeAspect="1"/>
+          </p:cNvSpPr>
+          <p:nvPr>
+            <p:ph type="sldImg" idx="2"/>
+          </p:nvPr>
+        </p:nvSpPr>
+        <p:spPr>
+          <a:xfrm>
+            <a:off x="381000" y="685800"/>
             <a:ext cx="6096000" cy="3429000"/>
           </a:xfrm>
           <a:custGeom>
@@ -5720,7 +5827,7 @@
   <p:cSld>
     <p:spTree>
       <p:nvGrpSpPr>
-        <p:cNvPr id="1" name="Shape 53"/>
+        <p:cNvPr id="1" name=""/>
         <p:cNvGrpSpPr/>
         <p:nvPr/>
       </p:nvGrpSpPr>
@@ -5734,62 +5841,60 @@
       </p:grpSpPr>
       <p:sp>
         <p:nvSpPr>
-          <p:cNvPr id="54" name="Shape 54"/>
-          <p:cNvSpPr txBox="1">
+          <p:cNvPr id="2" name="Title 1"/>
+          <p:cNvSpPr>
             <a:spLocks noGrp="1"/>
           </p:cNvSpPr>
           <p:nvPr>
             <p:ph type="title"/>
           </p:nvPr>
         </p:nvSpPr>
-        <p:spPr>
-          <a:xfrm>
-            <a:off x="311700" y="0"/>
-            <a:ext cx="8520600" cy="841800"/>
-          </a:xfrm>
-          <a:prstGeom prst="rect">
-            <a:avLst/>
-          </a:prstGeom>
-        </p:spPr>
+        <p:spPr/>
         <p:txBody>
-          <a:bodyPr spcFirstLastPara="1" wrap="square" lIns="91425" tIns="91425" rIns="91425" bIns="91425" anchor="ctr" anchorCtr="0">
-            <a:noAutofit/>
-          </a:bodyPr>
+          <a:bodyPr/>
           <a:lstStyle/>
           <a:p>
-            <a:pPr marL="0" lvl="0" indent="0">
-              <a:spcBef>
-                <a:spcPts val="0"/>
-              </a:spcBef>
-              <a:spcAft>
-                <a:spcPts val="0"/>
-              </a:spcAft>
-              <a:buNone/>
-            </a:pPr>
-            <a:r>
-              <a:rPr lang="en" b="1">
-                <a:solidFill>
-                  <a:srgbClr val="660000"/>
-                </a:solidFill>
-                <a:latin typeface="Varela Round"/>
-                <a:ea typeface="Varela Round"/>
-                <a:cs typeface="Varela Round"/>
-                <a:sym typeface="Varela Round"/>
-              </a:rPr>
-              <a:t>DATA TRANSFORMATION</a:t>
-            </a:r>
-            <a:endParaRPr b="1">
-              <a:solidFill>
-                <a:srgbClr val="660000"/>
-              </a:solidFill>
-              <a:latin typeface="Varela Round"/>
-              <a:ea typeface="Varela Round"/>
-              <a:cs typeface="Varela Round"/>
-              <a:sym typeface="Varela Round"/>
-            </a:endParaRPr>
+            <a:endParaRPr lang="en-US"/>
           </a:p>
         </p:txBody>
       </p:sp>
+    </p:spTree>
+    <p:extLst>
+      <p:ext uri="{BB962C8B-B14F-4D97-AF65-F5344CB8AC3E}">
+        <p14:creationId xmlns:p14="http://schemas.microsoft.com/office/powerpoint/2010/main" val="386769164"/>
+      </p:ext>
+    </p:extLst>
+  </p:cSld>
+  <p:clrMapOvr>
+    <a:masterClrMapping/>
+  </p:clrMapOvr>
+  <p:timing>
+    <p:tnLst>
+      <p:par>
+        <p:cTn id="1" dur="indefinite" restart="never" nodeType="tmRoot"/>
+      </p:par>
+    </p:tnLst>
+  </p:timing>
+</p:sld>
+</file>
+
+<file path=ppt/slides/slide2.xml><?xml version="1.0" encoding="utf-8"?>
+<p:sld xmlns:a="http://schemas.openxmlformats.org/drawingml/2006/main" xmlns:r="http://schemas.openxmlformats.org/officeDocument/2006/relationships" xmlns:p="http://schemas.openxmlformats.org/presentationml/2006/main">
+  <p:cSld>
+    <p:spTree>
+      <p:nvGrpSpPr>
+        <p:cNvPr id="1" name="Shape 53"/>
+        <p:cNvGrpSpPr/>
+        <p:nvPr/>
+      </p:nvGrpSpPr>
+      <p:grpSpPr>
+        <a:xfrm>
+          <a:off x="0" y="0"/>
+          <a:ext cx="0" cy="0"/>
+          <a:chOff x="0" y="0"/>
+          <a:chExt cx="0" cy="0"/>
+        </a:xfrm>
+      </p:grpSpPr>
       <p:sp>
         <p:nvSpPr>
           <p:cNvPr id="55" name="Shape 55"/>
@@ -6029,8 +6134,8 @@
         </p:nvSpPr>
         <p:spPr>
           <a:xfrm>
-            <a:off x="4363625" y="2659850"/>
-            <a:ext cx="1483200" cy="269700"/>
+            <a:off x="4363624" y="2659850"/>
+            <a:ext cx="1808575" cy="269700"/>
           </a:xfrm>
           <a:prstGeom prst="rect">
             <a:avLst/>
@@ -6056,7 +6161,7 @@
               <a:buNone/>
             </a:pPr>
             <a:r>
-              <a:rPr lang="en">
+              <a:rPr lang="en" dirty="0">
                 <a:solidFill>
                   <a:srgbClr val="CC0000"/>
                 </a:solidFill>
@@ -6067,7 +6172,7 @@
               </a:rPr>
               <a:t>Different Transformation</a:t>
             </a:r>
-            <a:endParaRPr>
+            <a:endParaRPr dirty="0">
               <a:solidFill>
                 <a:srgbClr val="CC0000"/>
               </a:solidFill>
@@ -6208,6 +6313,14 @@
   <p:clrMapOvr>
     <a:masterClrMapping/>
   </p:clrMapOvr>
+  <mc:AlternateContent xmlns:mc="http://schemas.openxmlformats.org/markup-compatibility/2006">
+    <mc:Choice xmlns:p14="http://schemas.microsoft.com/office/powerpoint/2010/main" Requires="p14">
+      <p:transition p14:dur="0"/>
+    </mc:Choice>
+    <mc:Fallback>
+      <p:transition/>
+    </mc:Fallback>
+  </mc:AlternateContent>
   <p:timing>
     <p:tnLst>
       <p:par>
@@ -6229,14 +6342,160 @@
                             </p:stCondLst>
                             <p:childTnLst>
                               <p:par>
-                                <p:cTn id="5" presetID="1" presetClass="entr" presetSubtype="0" fill="hold" nodeType="clickEffect">
+                                <p:cTn id="5" presetID="10" presetClass="entr" presetSubtype="0" fill="hold" grpId="0" nodeType="clickEffect" nodePh="1">
+                                  <p:stCondLst>
+                                    <p:cond delay="0"/>
+                                  </p:stCondLst>
+                                  <p:endCondLst>
+                                    <p:cond evt="begin" delay="0">
+                                      <p:tn val="5"/>
+                                    </p:cond>
+                                  </p:endCondLst>
+                                  <p:childTnLst>
+                                    <p:set>
+                                      <p:cBhvr>
+                                        <p:cTn id="6" dur="1" fill="hold">
+                                          <p:stCondLst>
+                                            <p:cond delay="0"/>
+                                          </p:stCondLst>
+                                        </p:cTn>
+                                        <p:tgtEl>
+                                          <p:spTgt spid="61"/>
+                                        </p:tgtEl>
+                                        <p:attrNameLst>
+                                          <p:attrName>style.visibility</p:attrName>
+                                        </p:attrNameLst>
+                                      </p:cBhvr>
+                                      <p:to>
+                                        <p:strVal val="visible"/>
+                                      </p:to>
+                                    </p:set>
+                                    <p:animEffect transition="in" filter="fade">
+                                      <p:cBhvr>
+                                        <p:cTn id="7" dur="500"/>
+                                        <p:tgtEl>
+                                          <p:spTgt spid="61"/>
+                                        </p:tgtEl>
+                                      </p:cBhvr>
+                                    </p:animEffect>
+                                  </p:childTnLst>
+                                </p:cTn>
+                              </p:par>
+                              <p:par>
+                                <p:cTn id="8" presetID="10" presetClass="entr" presetSubtype="0" fill="hold" grpId="0" nodeType="withEffect">
                                   <p:stCondLst>
                                     <p:cond delay="0"/>
                                   </p:stCondLst>
                                   <p:childTnLst>
                                     <p:set>
                                       <p:cBhvr>
-                                        <p:cTn id="6" dur="1" fill="hold">
+                                        <p:cTn id="9" dur="1" fill="hold">
+                                          <p:stCondLst>
+                                            <p:cond delay="0"/>
+                                          </p:stCondLst>
+                                        </p:cTn>
+                                        <p:tgtEl>
+                                          <p:spTgt spid="56"/>
+                                        </p:tgtEl>
+                                        <p:attrNameLst>
+                                          <p:attrName>style.visibility</p:attrName>
+                                        </p:attrNameLst>
+                                      </p:cBhvr>
+                                      <p:to>
+                                        <p:strVal val="visible"/>
+                                      </p:to>
+                                    </p:set>
+                                    <p:animEffect transition="in" filter="fade">
+                                      <p:cBhvr>
+                                        <p:cTn id="10" dur="500"/>
+                                        <p:tgtEl>
+                                          <p:spTgt spid="56"/>
+                                        </p:tgtEl>
+                                      </p:cBhvr>
+                                    </p:animEffect>
+                                  </p:childTnLst>
+                                </p:cTn>
+                              </p:par>
+                            </p:childTnLst>
+                          </p:cTn>
+                        </p:par>
+                      </p:childTnLst>
+                    </p:cTn>
+                  </p:par>
+                  <p:par>
+                    <p:cTn id="11" fill="hold">
+                      <p:stCondLst>
+                        <p:cond delay="indefinite"/>
+                      </p:stCondLst>
+                      <p:childTnLst>
+                        <p:par>
+                          <p:cTn id="12" fill="hold">
+                            <p:stCondLst>
+                              <p:cond delay="0"/>
+                            </p:stCondLst>
+                            <p:childTnLst>
+                              <p:par>
+                                <p:cTn id="13" presetID="10" presetClass="entr" presetSubtype="0" fill="hold" nodeType="clickEffect">
+                                  <p:stCondLst>
+                                    <p:cond delay="0"/>
+                                  </p:stCondLst>
+                                  <p:childTnLst>
+                                    <p:set>
+                                      <p:cBhvr>
+                                        <p:cTn id="14" dur="1" fill="hold">
+                                          <p:stCondLst>
+                                            <p:cond delay="0"/>
+                                          </p:stCondLst>
+                                        </p:cTn>
+                                        <p:tgtEl>
+                                          <p:spTgt spid="57"/>
+                                        </p:tgtEl>
+                                        <p:attrNameLst>
+                                          <p:attrName>style.visibility</p:attrName>
+                                        </p:attrNameLst>
+                                      </p:cBhvr>
+                                      <p:to>
+                                        <p:strVal val="visible"/>
+                                      </p:to>
+                                    </p:set>
+                                    <p:animEffect transition="in" filter="fade">
+                                      <p:cBhvr>
+                                        <p:cTn id="15" dur="500"/>
+                                        <p:tgtEl>
+                                          <p:spTgt spid="57"/>
+                                        </p:tgtEl>
+                                      </p:cBhvr>
+                                    </p:animEffect>
+                                  </p:childTnLst>
+                                </p:cTn>
+                              </p:par>
+                            </p:childTnLst>
+                          </p:cTn>
+                        </p:par>
+                      </p:childTnLst>
+                    </p:cTn>
+                  </p:par>
+                  <p:par>
+                    <p:cTn id="16" fill="hold">
+                      <p:stCondLst>
+                        <p:cond delay="indefinite"/>
+                      </p:stCondLst>
+                      <p:childTnLst>
+                        <p:par>
+                          <p:cTn id="17" fill="hold">
+                            <p:stCondLst>
+                              <p:cond delay="0"/>
+                            </p:stCondLst>
+                            <p:childTnLst>
+                              <p:par>
+                                <p:cTn id="18" presetID="1" presetClass="entr" presetSubtype="0" fill="hold" nodeType="clickEffect">
+                                  <p:stCondLst>
+                                    <p:cond delay="0"/>
+                                  </p:stCondLst>
+                                  <p:childTnLst>
+                                    <p:set>
+                                      <p:cBhvr>
+                                        <p:cTn id="19" dur="1" fill="hold">
                                           <p:stCondLst>
                                             <p:cond delay="0"/>
                                           </p:stCondLst>
@@ -6262,26 +6521,26 @@
                     </p:cTn>
                   </p:par>
                   <p:par>
-                    <p:cTn id="7" fill="hold">
+                    <p:cTn id="20" fill="hold">
                       <p:stCondLst>
                         <p:cond delay="indefinite"/>
                       </p:stCondLst>
                       <p:childTnLst>
                         <p:par>
-                          <p:cTn id="8" fill="hold">
+                          <p:cTn id="21" fill="hold">
                             <p:stCondLst>
                               <p:cond delay="0"/>
                             </p:stCondLst>
                             <p:childTnLst>
                               <p:par>
-                                <p:cTn id="9" presetID="10" presetClass="entr" presetSubtype="0" fill="hold" nodeType="clickEffect">
+                                <p:cTn id="22" presetID="10" presetClass="entr" presetSubtype="0" fill="hold" nodeType="clickEffect">
                                   <p:stCondLst>
                                     <p:cond delay="0"/>
                                   </p:stCondLst>
                                   <p:childTnLst>
                                     <p:set>
                                       <p:cBhvr>
-                                        <p:cTn id="10" dur="1" fill="hold">
+                                        <p:cTn id="23" dur="1" fill="hold">
                                           <p:stCondLst>
                                             <p:cond delay="0"/>
                                           </p:stCondLst>
@@ -6299,7 +6558,7 @@
                                     </p:set>
                                     <p:animEffect transition="in" filter="fade">
                                       <p:cBhvr>
-                                        <p:cTn id="11" dur="1000"/>
+                                        <p:cTn id="24" dur="1000"/>
                                         <p:tgtEl>
                                           <p:spTgt spid="58"/>
                                         </p:tgtEl>
@@ -6309,14 +6568,14 @@
                                 </p:cTn>
                               </p:par>
                               <p:par>
-                                <p:cTn id="12" presetID="10" presetClass="entr" presetSubtype="0" fill="hold" nodeType="withEffect">
+                                <p:cTn id="25" presetID="10" presetClass="entr" presetSubtype="0" fill="hold" nodeType="withEffect">
                                   <p:stCondLst>
                                     <p:cond delay="0"/>
                                   </p:stCondLst>
                                   <p:childTnLst>
                                     <p:set>
                                       <p:cBhvr>
-                                        <p:cTn id="13" dur="1" fill="hold">
+                                        <p:cTn id="26" dur="1" fill="hold">
                                           <p:stCondLst>
                                             <p:cond delay="0"/>
                                           </p:stCondLst>
@@ -6334,7 +6593,7 @@
                                     </p:set>
                                     <p:animEffect transition="in" filter="fade">
                                       <p:cBhvr>
-                                        <p:cTn id="14" dur="1000"/>
+                                        <p:cTn id="27" dur="1000"/>
                                         <p:tgtEl>
                                           <p:spTgt spid="60"/>
                                         </p:tgtEl>
@@ -6350,26 +6609,26 @@
                     </p:cTn>
                   </p:par>
                   <p:par>
-                    <p:cTn id="15" fill="hold">
+                    <p:cTn id="28" fill="hold">
                       <p:stCondLst>
                         <p:cond delay="indefinite"/>
                       </p:stCondLst>
                       <p:childTnLst>
                         <p:par>
-                          <p:cTn id="16" fill="hold">
+                          <p:cTn id="29" fill="hold">
                             <p:stCondLst>
                               <p:cond delay="0"/>
                             </p:stCondLst>
                             <p:childTnLst>
                               <p:par>
-                                <p:cTn id="17" presetID="10" presetClass="entr" presetSubtype="0" fill="hold" nodeType="clickEffect">
+                                <p:cTn id="30" presetID="10" presetClass="entr" presetSubtype="0" fill="hold" nodeType="clickEffect">
                                   <p:stCondLst>
                                     <p:cond delay="0"/>
                                   </p:stCondLst>
                                   <p:childTnLst>
                                     <p:set>
                                       <p:cBhvr>
-                                        <p:cTn id="18" dur="1" fill="hold">
+                                        <p:cTn id="31" dur="1" fill="hold">
                                           <p:stCondLst>
                                             <p:cond delay="0"/>
                                           </p:stCondLst>
@@ -6387,7 +6646,7 @@
                                     </p:set>
                                     <p:animEffect transition="in" filter="fade">
                                       <p:cBhvr>
-                                        <p:cTn id="19" dur="1000"/>
+                                        <p:cTn id="32" dur="1000"/>
                                         <p:tgtEl>
                                           <p:spTgt spid="62"/>
                                         </p:tgtEl>
@@ -6423,11 +6682,15 @@
         </p:cTn>
       </p:par>
     </p:tnLst>
+    <p:bldLst>
+      <p:bldP spid="56" grpId="0"/>
+      <p:bldP spid="61" grpId="0"/>
+    </p:bldLst>
   </p:timing>
 </p:sld>
 </file>
 
-<file path=ppt/slides/slide2.xml><?xml version="1.0" encoding="utf-8"?>
+<file path=ppt/slides/slide3.xml><?xml version="1.0" encoding="utf-8"?>
 <p:sld xmlns:a="http://schemas.openxmlformats.org/drawingml/2006/main" xmlns:r="http://schemas.openxmlformats.org/officeDocument/2006/relationships" xmlns:p="http://schemas.openxmlformats.org/presentationml/2006/main">
   <p:cSld>
     <p:spTree>
@@ -6546,19 +6809,7 @@
                 <a:cs typeface="Varela Round"/>
                 <a:sym typeface="Varela Round"/>
               </a:rPr>
-              <a:t>Station </a:t>
-            </a:r>
-            <a:r>
-              <a:rPr lang="en-US" sz="2000" b="1" dirty="0" smtClean="0">
-                <a:solidFill>
-                  <a:srgbClr val="A64D79"/>
-                </a:solidFill>
-                <a:latin typeface="Varela Round"/>
-                <a:ea typeface="Varela Round"/>
-                <a:cs typeface="Varela Round"/>
-                <a:sym typeface="Varela Round"/>
-              </a:rPr>
-              <a:t>Display Board</a:t>
+              <a:t>Station Display Board</a:t>
             </a:r>
             <a:endParaRPr sz="2000" b="1" dirty="0">
               <a:solidFill>
@@ -6668,19 +6919,7 @@
                 <a:cs typeface="Varela Round"/>
                 <a:sym typeface="Varela Round"/>
               </a:rPr>
-              <a:t>T</a:t>
-            </a:r>
-            <a:r>
-              <a:rPr lang="en-US" sz="2000" b="1" dirty="0" smtClean="0">
-                <a:solidFill>
-                  <a:srgbClr val="A64D79"/>
-                </a:solidFill>
-                <a:latin typeface="Varela Round"/>
-                <a:ea typeface="Varela Round"/>
-                <a:cs typeface="Varela Round"/>
-                <a:sym typeface="Varela Round"/>
-              </a:rPr>
-              <a:t>icket Machine</a:t>
+              <a:t>Ticket Machine</a:t>
             </a:r>
             <a:endParaRPr sz="2000" b="1" dirty="0">
               <a:solidFill>
@@ -7952,7 +8191,169 @@
 </p:sld>
 </file>
 
-<file path=ppt/slides/slide3.xml><?xml version="1.0" encoding="utf-8"?>
+<file path=ppt/slides/slide4.xml><?xml version="1.0" encoding="utf-8"?>
+<p:sld xmlns:a="http://schemas.openxmlformats.org/drawingml/2006/main" xmlns:r="http://schemas.openxmlformats.org/officeDocument/2006/relationships" xmlns:p="http://schemas.openxmlformats.org/presentationml/2006/main">
+  <p:cSld>
+    <p:spTree>
+      <p:nvGrpSpPr>
+        <p:cNvPr id="1" name=""/>
+        <p:cNvGrpSpPr/>
+        <p:nvPr/>
+      </p:nvGrpSpPr>
+      <p:grpSpPr>
+        <a:xfrm>
+          <a:off x="0" y="0"/>
+          <a:ext cx="0" cy="0"/>
+          <a:chOff x="0" y="0"/>
+          <a:chExt cx="0" cy="0"/>
+        </a:xfrm>
+      </p:grpSpPr>
+      <p:sp>
+        <p:nvSpPr>
+          <p:cNvPr id="4" name="TextBox 3"/>
+          <p:cNvSpPr txBox="1"/>
+          <p:nvPr/>
+        </p:nvSpPr>
+        <p:spPr>
+          <a:xfrm>
+            <a:off x="825500" y="1733550"/>
+            <a:ext cx="7543800" cy="1200329"/>
+          </a:xfrm>
+          <a:prstGeom prst="rect">
+            <a:avLst/>
+          </a:prstGeom>
+          <a:noFill/>
+        </p:spPr>
+        <p:txBody>
+          <a:bodyPr wrap="square" rtlCol="0">
+            <a:spAutoFit/>
+          </a:bodyPr>
+          <a:lstStyle/>
+          <a:p>
+            <a:pPr algn="ctr"/>
+            <a:r>
+              <a:rPr lang="en-US" sz="3600" b="1" dirty="0" smtClean="0">
+                <a:solidFill>
+                  <a:srgbClr val="CC0099"/>
+                </a:solidFill>
+                <a:latin typeface="Varela Round" charset="-79"/>
+                <a:cs typeface="Varela Round" charset="-79"/>
+              </a:rPr>
+              <a:t>On which end should the transformation logic be?</a:t>
+            </a:r>
+            <a:endParaRPr lang="en-US" sz="3600" b="1" dirty="0">
+              <a:solidFill>
+                <a:srgbClr val="CC0099"/>
+              </a:solidFill>
+              <a:latin typeface="Varela Round" charset="-79"/>
+              <a:cs typeface="Varela Round" charset="-79"/>
+            </a:endParaRPr>
+          </a:p>
+        </p:txBody>
+      </p:sp>
+    </p:spTree>
+    <p:extLst>
+      <p:ext uri="{BB962C8B-B14F-4D97-AF65-F5344CB8AC3E}">
+        <p14:creationId xmlns:p14="http://schemas.microsoft.com/office/powerpoint/2010/main" val="4095892632"/>
+      </p:ext>
+    </p:extLst>
+  </p:cSld>
+  <p:clrMapOvr>
+    <a:masterClrMapping/>
+  </p:clrMapOvr>
+  <p:timing>
+    <p:tnLst>
+      <p:par>
+        <p:cTn id="1" dur="indefinite" restart="never" nodeType="tmRoot">
+          <p:childTnLst>
+            <p:seq concurrent="1" nextAc="seek">
+              <p:cTn id="2" dur="indefinite" nodeType="mainSeq">
+                <p:childTnLst>
+                  <p:par>
+                    <p:cTn id="3" fill="hold">
+                      <p:stCondLst>
+                        <p:cond delay="indefinite"/>
+                      </p:stCondLst>
+                      <p:childTnLst>
+                        <p:par>
+                          <p:cTn id="4" fill="hold">
+                            <p:stCondLst>
+                              <p:cond delay="0"/>
+                            </p:stCondLst>
+                            <p:childTnLst>
+                              <p:par>
+                                <p:cTn id="5" presetID="10" presetClass="entr" presetSubtype="0" fill="hold" grpId="0" nodeType="clickEffect">
+                                  <p:stCondLst>
+                                    <p:cond delay="0"/>
+                                  </p:stCondLst>
+                                  <p:iterate type="lt">
+                                    <p:tmPct val="10000"/>
+                                  </p:iterate>
+                                  <p:childTnLst>
+                                    <p:set>
+                                      <p:cBhvr>
+                                        <p:cTn id="6" dur="1" fill="hold">
+                                          <p:stCondLst>
+                                            <p:cond delay="0"/>
+                                          </p:stCondLst>
+                                        </p:cTn>
+                                        <p:tgtEl>
+                                          <p:spTgt spid="4"/>
+                                        </p:tgtEl>
+                                        <p:attrNameLst>
+                                          <p:attrName>style.visibility</p:attrName>
+                                        </p:attrNameLst>
+                                      </p:cBhvr>
+                                      <p:to>
+                                        <p:strVal val="visible"/>
+                                      </p:to>
+                                    </p:set>
+                                    <p:animEffect transition="in" filter="fade">
+                                      <p:cBhvr>
+                                        <p:cTn id="7" dur="500"/>
+                                        <p:tgtEl>
+                                          <p:spTgt spid="4"/>
+                                        </p:tgtEl>
+                                      </p:cBhvr>
+                                    </p:animEffect>
+                                  </p:childTnLst>
+                                </p:cTn>
+                              </p:par>
+                            </p:childTnLst>
+                          </p:cTn>
+                        </p:par>
+                      </p:childTnLst>
+                    </p:cTn>
+                  </p:par>
+                </p:childTnLst>
+              </p:cTn>
+              <p:prevCondLst>
+                <p:cond evt="onPrev" delay="0">
+                  <p:tgtEl>
+                    <p:sldTgt/>
+                  </p:tgtEl>
+                </p:cond>
+              </p:prevCondLst>
+              <p:nextCondLst>
+                <p:cond evt="onNext" delay="0">
+                  <p:tgtEl>
+                    <p:sldTgt/>
+                  </p:tgtEl>
+                </p:cond>
+              </p:nextCondLst>
+            </p:seq>
+          </p:childTnLst>
+        </p:cTn>
+      </p:par>
+    </p:tnLst>
+    <p:bldLst>
+      <p:bldP spid="4" grpId="0"/>
+    </p:bldLst>
+  </p:timing>
+</p:sld>
+</file>
+
+<file path=ppt/slides/slide5.xml><?xml version="1.0" encoding="utf-8"?>
 <p:sld xmlns:a="http://schemas.openxmlformats.org/drawingml/2006/main" xmlns:r="http://schemas.openxmlformats.org/officeDocument/2006/relationships" xmlns:p="http://schemas.openxmlformats.org/presentationml/2006/main">
   <p:cSld>
     <p:spTree>
@@ -7971,71 +8372,13 @@
       </p:grpSpPr>
       <p:sp>
         <p:nvSpPr>
-          <p:cNvPr id="94" name="Shape 94"/>
-          <p:cNvSpPr txBox="1">
-            <a:spLocks noGrp="1"/>
-          </p:cNvSpPr>
-          <p:nvPr>
-            <p:ph type="title"/>
-          </p:nvPr>
-        </p:nvSpPr>
-        <p:spPr>
-          <a:xfrm>
-            <a:off x="311700" y="0"/>
-            <a:ext cx="8520600" cy="841800"/>
-          </a:xfrm>
-          <a:prstGeom prst="rect">
-            <a:avLst/>
-          </a:prstGeom>
-        </p:spPr>
-        <p:txBody>
-          <a:bodyPr spcFirstLastPara="1" wrap="square" lIns="91425" tIns="91425" rIns="91425" bIns="91425" anchor="ctr" anchorCtr="0">
-            <a:noAutofit/>
-          </a:bodyPr>
-          <a:lstStyle/>
-          <a:p>
-            <a:pPr marL="0" lvl="0" indent="0" rtl="0">
-              <a:spcBef>
-                <a:spcPts val="0"/>
-              </a:spcBef>
-              <a:spcAft>
-                <a:spcPts val="0"/>
-              </a:spcAft>
-              <a:buNone/>
-            </a:pPr>
-            <a:r>
-              <a:rPr lang="en" b="1">
-                <a:solidFill>
-                  <a:srgbClr val="660000"/>
-                </a:solidFill>
-                <a:latin typeface="Varela Round"/>
-                <a:ea typeface="Varela Round"/>
-                <a:cs typeface="Varela Round"/>
-                <a:sym typeface="Varela Round"/>
-              </a:rPr>
-              <a:t>DATA TRANSFORMATION</a:t>
-            </a:r>
-            <a:endParaRPr b="1">
-              <a:solidFill>
-                <a:srgbClr val="660000"/>
-              </a:solidFill>
-              <a:latin typeface="Varela Round"/>
-              <a:ea typeface="Varela Round"/>
-              <a:cs typeface="Varela Round"/>
-              <a:sym typeface="Varela Round"/>
-            </a:endParaRPr>
-          </a:p>
-        </p:txBody>
-      </p:sp>
-      <p:sp>
-        <p:nvSpPr>
           <p:cNvPr id="95" name="Shape 95"/>
           <p:cNvSpPr txBox="1"/>
           <p:nvPr/>
         </p:nvSpPr>
         <p:spPr>
           <a:xfrm>
-            <a:off x="539300" y="1640225"/>
+            <a:off x="539300" y="2021250"/>
             <a:ext cx="2561700" cy="931500"/>
           </a:xfrm>
           <a:prstGeom prst="rect">
@@ -8062,20 +8405,20 @@
               <a:buNone/>
             </a:pPr>
             <a:r>
-              <a:rPr lang="en" sz="2000" b="1">
+              <a:rPr lang="en" sz="2000" b="1" dirty="0" smtClean="0">
                 <a:solidFill>
-                  <a:srgbClr val="38761D"/>
+                  <a:srgbClr val="00B050"/>
                 </a:solidFill>
                 <a:latin typeface="Varela Round"/>
                 <a:ea typeface="Varela Round"/>
                 <a:cs typeface="Varela Round"/>
                 <a:sym typeface="Varela Round"/>
               </a:rPr>
-              <a:t>CONFERENCE</a:t>
+              <a:t>CORE SYSTEM</a:t>
             </a:r>
-            <a:endParaRPr sz="2000" b="1">
+            <a:endParaRPr sz="2000" b="1" dirty="0">
               <a:solidFill>
-                <a:srgbClr val="38761D"/>
+                <a:srgbClr val="00B050"/>
               </a:solidFill>
               <a:latin typeface="Varela Round"/>
               <a:ea typeface="Varela Round"/>
@@ -8093,7 +8436,7 @@
         </p:nvSpPr>
         <p:spPr>
           <a:xfrm>
-            <a:off x="5951900" y="1640225"/>
+            <a:off x="5951900" y="2021250"/>
             <a:ext cx="2561700" cy="931500"/>
           </a:xfrm>
           <a:prstGeom prst="rect">
@@ -8120,20 +8463,20 @@
               <a:buNone/>
             </a:pPr>
             <a:r>
-              <a:rPr lang="en" sz="2000" b="1">
+              <a:rPr lang="en-US" sz="2000" b="1" dirty="0" smtClean="0">
                 <a:solidFill>
-                  <a:srgbClr val="A64D79"/>
+                  <a:srgbClr val="00B050"/>
                 </a:solidFill>
                 <a:latin typeface="Varela Round"/>
                 <a:ea typeface="Varela Round"/>
                 <a:cs typeface="Varela Round"/>
                 <a:sym typeface="Varela Round"/>
               </a:rPr>
-              <a:t>SPEAKER DISPLAY</a:t>
+              <a:t>UI</a:t>
             </a:r>
-            <a:endParaRPr sz="2000" b="1">
+            <a:endParaRPr sz="2000" b="1" dirty="0">
               <a:solidFill>
-                <a:srgbClr val="A64D79"/>
+                <a:srgbClr val="00B050"/>
               </a:solidFill>
               <a:latin typeface="Varela Round"/>
               <a:ea typeface="Varela Round"/>
@@ -8154,7 +8497,7 @@
         </p:nvCxnSpPr>
         <p:spPr>
           <a:xfrm>
-            <a:off x="3101000" y="2105975"/>
+            <a:off x="3101000" y="2487000"/>
             <a:ext cx="2850900" cy="0"/>
           </a:xfrm>
           <a:prstGeom prst="straightConnector1">
@@ -8174,14 +8517,295 @@
       </p:cxnSp>
       <p:sp>
         <p:nvSpPr>
-          <p:cNvPr id="98" name="Shape 98"/>
+          <p:cNvPr id="2" name="TextBox 1"/>
           <p:cNvSpPr txBox="1"/>
           <p:nvPr/>
         </p:nvSpPr>
         <p:spPr>
           <a:xfrm>
-            <a:off x="152400" y="1640225"/>
-            <a:ext cx="3000000" cy="931500"/>
+            <a:off x="3345350" y="1819930"/>
+            <a:ext cx="2362200" cy="523220"/>
+          </a:xfrm>
+          <a:prstGeom prst="rect">
+            <a:avLst/>
+          </a:prstGeom>
+          <a:noFill/>
+        </p:spPr>
+        <p:txBody>
+          <a:bodyPr wrap="square" rtlCol="0">
+            <a:spAutoFit/>
+          </a:bodyPr>
+          <a:lstStyle/>
+          <a:p>
+            <a:pPr algn="ctr"/>
+            <a:r>
+              <a:rPr lang="en-US" b="1" dirty="0" smtClean="0">
+                <a:solidFill>
+                  <a:srgbClr val="CC0099"/>
+                </a:solidFill>
+                <a:latin typeface="Varela Round" charset="-79"/>
+                <a:cs typeface="Varela Round" charset="-79"/>
+              </a:rPr>
+              <a:t>TRANSFORMATION LOGIC</a:t>
+            </a:r>
+            <a:endParaRPr lang="en-US" b="1" dirty="0">
+              <a:solidFill>
+                <a:srgbClr val="CC0099"/>
+              </a:solidFill>
+              <a:latin typeface="Varela Round" charset="-79"/>
+              <a:cs typeface="Varela Round" charset="-79"/>
+            </a:endParaRPr>
+          </a:p>
+        </p:txBody>
+      </p:sp>
+    </p:spTree>
+  </p:cSld>
+  <p:clrMapOvr>
+    <a:masterClrMapping/>
+  </p:clrMapOvr>
+  <p:timing>
+    <p:tnLst>
+      <p:par>
+        <p:cTn id="1" dur="indefinite" restart="never" nodeType="tmRoot">
+          <p:childTnLst>
+            <p:seq concurrent="1" nextAc="seek">
+              <p:cTn id="2" dur="indefinite" nodeType="mainSeq">
+                <p:childTnLst>
+                  <p:par>
+                    <p:cTn id="3" fill="hold">
+                      <p:stCondLst>
+                        <p:cond delay="indefinite"/>
+                      </p:stCondLst>
+                      <p:childTnLst>
+                        <p:par>
+                          <p:cTn id="4" fill="hold">
+                            <p:stCondLst>
+                              <p:cond delay="0"/>
+                            </p:stCondLst>
+                            <p:childTnLst>
+                              <p:par>
+                                <p:cTn id="5" presetID="1" presetClass="entr" presetSubtype="0" fill="hold" grpId="0" nodeType="clickEffect">
+                                  <p:stCondLst>
+                                    <p:cond delay="0"/>
+                                  </p:stCondLst>
+                                  <p:childTnLst>
+                                    <p:set>
+                                      <p:cBhvr>
+                                        <p:cTn id="6" dur="1" fill="hold">
+                                          <p:stCondLst>
+                                            <p:cond delay="0"/>
+                                          </p:stCondLst>
+                                        </p:cTn>
+                                        <p:tgtEl>
+                                          <p:spTgt spid="95"/>
+                                        </p:tgtEl>
+                                        <p:attrNameLst>
+                                          <p:attrName>style.visibility</p:attrName>
+                                        </p:attrNameLst>
+                                      </p:cBhvr>
+                                      <p:to>
+                                        <p:strVal val="visible"/>
+                                      </p:to>
+                                    </p:set>
+                                  </p:childTnLst>
+                                </p:cTn>
+                              </p:par>
+                            </p:childTnLst>
+                          </p:cTn>
+                        </p:par>
+                      </p:childTnLst>
+                    </p:cTn>
+                  </p:par>
+                  <p:par>
+                    <p:cTn id="7" fill="hold">
+                      <p:stCondLst>
+                        <p:cond delay="indefinite"/>
+                      </p:stCondLst>
+                      <p:childTnLst>
+                        <p:par>
+                          <p:cTn id="8" fill="hold">
+                            <p:stCondLst>
+                              <p:cond delay="0"/>
+                            </p:stCondLst>
+                            <p:childTnLst>
+                              <p:par>
+                                <p:cTn id="9" presetID="1" presetClass="entr" presetSubtype="0" fill="hold" grpId="0" nodeType="clickEffect">
+                                  <p:stCondLst>
+                                    <p:cond delay="0"/>
+                                  </p:stCondLst>
+                                  <p:childTnLst>
+                                    <p:set>
+                                      <p:cBhvr>
+                                        <p:cTn id="10" dur="1" fill="hold">
+                                          <p:stCondLst>
+                                            <p:cond delay="0"/>
+                                          </p:stCondLst>
+                                        </p:cTn>
+                                        <p:tgtEl>
+                                          <p:spTgt spid="96"/>
+                                        </p:tgtEl>
+                                        <p:attrNameLst>
+                                          <p:attrName>style.visibility</p:attrName>
+                                        </p:attrNameLst>
+                                      </p:cBhvr>
+                                      <p:to>
+                                        <p:strVal val="visible"/>
+                                      </p:to>
+                                    </p:set>
+                                  </p:childTnLst>
+                                </p:cTn>
+                              </p:par>
+                            </p:childTnLst>
+                          </p:cTn>
+                        </p:par>
+                      </p:childTnLst>
+                    </p:cTn>
+                  </p:par>
+                  <p:par>
+                    <p:cTn id="11" fill="hold">
+                      <p:stCondLst>
+                        <p:cond delay="indefinite"/>
+                      </p:stCondLst>
+                      <p:childTnLst>
+                        <p:par>
+                          <p:cTn id="12" fill="hold">
+                            <p:stCondLst>
+                              <p:cond delay="0"/>
+                            </p:stCondLst>
+                            <p:childTnLst>
+                              <p:par>
+                                <p:cTn id="13" presetID="10" presetClass="entr" presetSubtype="0" fill="hold" grpId="0" nodeType="clickEffect">
+                                  <p:stCondLst>
+                                    <p:cond delay="0"/>
+                                  </p:stCondLst>
+                                  <p:childTnLst>
+                                    <p:set>
+                                      <p:cBhvr>
+                                        <p:cTn id="14" dur="1" fill="hold">
+                                          <p:stCondLst>
+                                            <p:cond delay="0"/>
+                                          </p:stCondLst>
+                                        </p:cTn>
+                                        <p:tgtEl>
+                                          <p:spTgt spid="2"/>
+                                        </p:tgtEl>
+                                        <p:attrNameLst>
+                                          <p:attrName>style.visibility</p:attrName>
+                                        </p:attrNameLst>
+                                      </p:cBhvr>
+                                      <p:to>
+                                        <p:strVal val="visible"/>
+                                      </p:to>
+                                    </p:set>
+                                    <p:animEffect transition="in" filter="fade">
+                                      <p:cBhvr>
+                                        <p:cTn id="15" dur="500"/>
+                                        <p:tgtEl>
+                                          <p:spTgt spid="2"/>
+                                        </p:tgtEl>
+                                      </p:cBhvr>
+                                    </p:animEffect>
+                                  </p:childTnLst>
+                                </p:cTn>
+                              </p:par>
+                              <p:par>
+                                <p:cTn id="16" presetID="10" presetClass="entr" presetSubtype="0" fill="hold" nodeType="withEffect">
+                                  <p:stCondLst>
+                                    <p:cond delay="0"/>
+                                  </p:stCondLst>
+                                  <p:childTnLst>
+                                    <p:set>
+                                      <p:cBhvr>
+                                        <p:cTn id="17" dur="1" fill="hold">
+                                          <p:stCondLst>
+                                            <p:cond delay="0"/>
+                                          </p:stCondLst>
+                                        </p:cTn>
+                                        <p:tgtEl>
+                                          <p:spTgt spid="97"/>
+                                        </p:tgtEl>
+                                        <p:attrNameLst>
+                                          <p:attrName>style.visibility</p:attrName>
+                                        </p:attrNameLst>
+                                      </p:cBhvr>
+                                      <p:to>
+                                        <p:strVal val="visible"/>
+                                      </p:to>
+                                    </p:set>
+                                    <p:animEffect transition="in" filter="fade">
+                                      <p:cBhvr>
+                                        <p:cTn id="18" dur="500"/>
+                                        <p:tgtEl>
+                                          <p:spTgt spid="97"/>
+                                        </p:tgtEl>
+                                      </p:cBhvr>
+                                    </p:animEffect>
+                                  </p:childTnLst>
+                                </p:cTn>
+                              </p:par>
+                            </p:childTnLst>
+                          </p:cTn>
+                        </p:par>
+                      </p:childTnLst>
+                    </p:cTn>
+                  </p:par>
+                </p:childTnLst>
+              </p:cTn>
+              <p:prevCondLst>
+                <p:cond evt="onPrev" delay="0">
+                  <p:tgtEl>
+                    <p:sldTgt/>
+                  </p:tgtEl>
+                </p:cond>
+              </p:prevCondLst>
+              <p:nextCondLst>
+                <p:cond evt="onNext" delay="0">
+                  <p:tgtEl>
+                    <p:sldTgt/>
+                  </p:tgtEl>
+                </p:cond>
+              </p:nextCondLst>
+            </p:seq>
+          </p:childTnLst>
+        </p:cTn>
+      </p:par>
+    </p:tnLst>
+    <p:bldLst>
+      <p:bldP spid="95" grpId="0"/>
+      <p:bldP spid="96" grpId="0"/>
+      <p:bldP spid="2" grpId="0"/>
+    </p:bldLst>
+  </p:timing>
+</p:sld>
+</file>
+
+<file path=ppt/slides/slide6.xml><?xml version="1.0" encoding="utf-8"?>
+<p:sld xmlns:a="http://schemas.openxmlformats.org/drawingml/2006/main" xmlns:r="http://schemas.openxmlformats.org/officeDocument/2006/relationships" xmlns:p="http://schemas.openxmlformats.org/presentationml/2006/main">
+  <p:cSld>
+    <p:spTree>
+      <p:nvGrpSpPr>
+        <p:cNvPr id="1" name="Shape 93"/>
+        <p:cNvGrpSpPr/>
+        <p:nvPr/>
+      </p:nvGrpSpPr>
+      <p:grpSpPr>
+        <a:xfrm>
+          <a:off x="0" y="0"/>
+          <a:ext cx="0" cy="0"/>
+          <a:chOff x="0" y="0"/>
+          <a:chExt cx="0" cy="0"/>
+        </a:xfrm>
+      </p:grpSpPr>
+      <p:sp>
+        <p:nvSpPr>
+          <p:cNvPr id="95" name="Shape 95"/>
+          <p:cNvSpPr txBox="1"/>
+          <p:nvPr/>
+        </p:nvSpPr>
+        <p:spPr>
+          <a:xfrm>
+            <a:off x="539300" y="2021250"/>
+            <a:ext cx="2561700" cy="931500"/>
           </a:xfrm>
           <a:prstGeom prst="rect">
             <a:avLst/>
@@ -8206,9 +8830,21 @@
               </a:spcAft>
               <a:buNone/>
             </a:pPr>
-            <a:endParaRPr>
+            <a:r>
+              <a:rPr lang="en" sz="2000" b="1" dirty="0" smtClean="0">
+                <a:solidFill>
+                  <a:srgbClr val="00B050"/>
+                </a:solidFill>
+                <a:latin typeface="Varela Round"/>
+                <a:ea typeface="Varela Round"/>
+                <a:cs typeface="Varela Round"/>
+                <a:sym typeface="Varela Round"/>
+              </a:rPr>
+              <a:t>CORE SYSTEM</a:t>
+            </a:r>
+            <a:endParaRPr sz="2000" b="1" dirty="0">
               <a:solidFill>
-                <a:srgbClr val="CC0000"/>
+                <a:srgbClr val="00B050"/>
               </a:solidFill>
               <a:latin typeface="Varela Round"/>
               <a:ea typeface="Varela Round"/>
@@ -8220,14 +8856,14 @@
       </p:sp>
       <p:sp>
         <p:nvSpPr>
-          <p:cNvPr id="99" name="Shape 99"/>
+          <p:cNvPr id="96" name="Shape 96"/>
           <p:cNvSpPr txBox="1"/>
           <p:nvPr/>
         </p:nvSpPr>
         <p:spPr>
           <a:xfrm>
-            <a:off x="3271300" y="1562275"/>
-            <a:ext cx="2561700" cy="648900"/>
+            <a:off x="5951900" y="2021250"/>
+            <a:ext cx="2561700" cy="931500"/>
           </a:xfrm>
           <a:prstGeom prst="rect">
             <a:avLst/>
@@ -8253,20 +8889,20 @@
               <a:buNone/>
             </a:pPr>
             <a:r>
-              <a:rPr lang="en" sz="1600" b="1">
+              <a:rPr lang="en-US" sz="2000" b="1" dirty="0" smtClean="0">
                 <a:solidFill>
-                  <a:srgbClr val="1155CC"/>
+                  <a:srgbClr val="00B050"/>
                 </a:solidFill>
                 <a:latin typeface="Varela Round"/>
                 <a:ea typeface="Varela Round"/>
                 <a:cs typeface="Varela Round"/>
                 <a:sym typeface="Varela Round"/>
               </a:rPr>
-              <a:t>ADAPTER</a:t>
+              <a:t>UI</a:t>
             </a:r>
-            <a:endParaRPr sz="1600" b="1">
+            <a:endParaRPr sz="2000" b="1" dirty="0">
               <a:solidFill>
-                <a:srgbClr val="1155CC"/>
+                <a:srgbClr val="00B050"/>
               </a:solidFill>
               <a:latin typeface="Varela Round"/>
               <a:ea typeface="Varela Round"/>
@@ -8276,7 +8912,84 @@
           </a:p>
         </p:txBody>
       </p:sp>
+      <p:cxnSp>
+        <p:nvCxnSpPr>
+          <p:cNvPr id="97" name="Shape 97"/>
+          <p:cNvCxnSpPr>
+            <a:stCxn id="95" idx="3"/>
+            <a:endCxn id="96" idx="1"/>
+          </p:cNvCxnSpPr>
+          <p:nvPr/>
+        </p:nvCxnSpPr>
+        <p:spPr>
+          <a:xfrm>
+            <a:off x="3101000" y="2487000"/>
+            <a:ext cx="2850900" cy="0"/>
+          </a:xfrm>
+          <a:prstGeom prst="straightConnector1">
+            <a:avLst/>
+          </a:prstGeom>
+          <a:noFill/>
+          <a:ln w="9525" cap="flat" cmpd="sng">
+            <a:solidFill>
+              <a:schemeClr val="dk2"/>
+            </a:solidFill>
+            <a:prstDash val="solid"/>
+            <a:round/>
+            <a:headEnd type="none" w="med" len="med"/>
+            <a:tailEnd type="triangle" w="med" len="med"/>
+          </a:ln>
+        </p:spPr>
+      </p:cxnSp>
+      <p:sp>
+        <p:nvSpPr>
+          <p:cNvPr id="3" name="TextBox 2"/>
+          <p:cNvSpPr txBox="1"/>
+          <p:nvPr/>
+        </p:nvSpPr>
+        <p:spPr>
+          <a:xfrm>
+            <a:off x="3501475" y="2021250"/>
+            <a:ext cx="2049950" cy="369332"/>
+          </a:xfrm>
+          <a:prstGeom prst="rect">
+            <a:avLst/>
+          </a:prstGeom>
+          <a:noFill/>
+        </p:spPr>
+        <p:txBody>
+          <a:bodyPr wrap="square" rtlCol="0">
+            <a:spAutoFit/>
+          </a:bodyPr>
+          <a:lstStyle/>
+          <a:p>
+            <a:pPr algn="ctr"/>
+            <a:r>
+              <a:rPr lang="en-US" sz="1800" b="1" dirty="0" smtClean="0">
+                <a:solidFill>
+                  <a:srgbClr val="FF0000"/>
+                </a:solidFill>
+                <a:latin typeface="Varela Round" charset="-79"/>
+                <a:cs typeface="Varela Round" charset="-79"/>
+              </a:rPr>
+              <a:t>ADAPTER</a:t>
+            </a:r>
+            <a:endParaRPr lang="en-US" sz="1800" b="1" dirty="0">
+              <a:solidFill>
+                <a:srgbClr val="FF0000"/>
+              </a:solidFill>
+              <a:latin typeface="Varela Round" charset="-79"/>
+              <a:cs typeface="Varela Round" charset="-79"/>
+            </a:endParaRPr>
+          </a:p>
+        </p:txBody>
+      </p:sp>
     </p:spTree>
+    <p:extLst>
+      <p:ext uri="{BB962C8B-B14F-4D97-AF65-F5344CB8AC3E}">
+        <p14:creationId xmlns:p14="http://schemas.microsoft.com/office/powerpoint/2010/main" val="890917347"/>
+      </p:ext>
+    </p:extLst>
   </p:cSld>
   <p:clrMapOvr>
     <a:masterClrMapping/>
@@ -8284,9 +8997,91 @@
   <p:timing>
     <p:tnLst>
       <p:par>
-        <p:cTn id="1" dur="indefinite" restart="never" nodeType="tmRoot"/>
+        <p:cTn id="1" dur="indefinite" restart="never" nodeType="tmRoot">
+          <p:childTnLst>
+            <p:seq concurrent="1" nextAc="seek">
+              <p:cTn id="2" dur="indefinite" nodeType="mainSeq">
+                <p:childTnLst>
+                  <p:par>
+                    <p:cTn id="3" fill="hold">
+                      <p:stCondLst>
+                        <p:cond delay="indefinite"/>
+                        <p:cond evt="onBegin" delay="0">
+                          <p:tn val="2"/>
+                        </p:cond>
+                      </p:stCondLst>
+                      <p:childTnLst>
+                        <p:par>
+                          <p:cTn id="4" fill="hold">
+                            <p:stCondLst>
+                              <p:cond delay="0"/>
+                            </p:stCondLst>
+                            <p:childTnLst>
+                              <p:par>
+                                <p:cTn id="5" presetID="10" presetClass="entr" presetSubtype="0" fill="hold" grpId="0" nodeType="withEffect">
+                                  <p:stCondLst>
+                                    <p:cond delay="0"/>
+                                  </p:stCondLst>
+                                  <p:childTnLst>
+                                    <p:set>
+                                      <p:cBhvr>
+                                        <p:cTn id="6" dur="1" fill="hold">
+                                          <p:stCondLst>
+                                            <p:cond delay="0"/>
+                                          </p:stCondLst>
+                                        </p:cTn>
+                                        <p:tgtEl>
+                                          <p:spTgt spid="3"/>
+                                        </p:tgtEl>
+                                        <p:attrNameLst>
+                                          <p:attrName>style.visibility</p:attrName>
+                                        </p:attrNameLst>
+                                      </p:cBhvr>
+                                      <p:to>
+                                        <p:strVal val="visible"/>
+                                      </p:to>
+                                    </p:set>
+                                    <p:animEffect transition="in" filter="fade">
+                                      <p:cBhvr>
+                                        <p:cTn id="7" dur="500"/>
+                                        <p:tgtEl>
+                                          <p:spTgt spid="3"/>
+                                        </p:tgtEl>
+                                      </p:cBhvr>
+                                    </p:animEffect>
+                                  </p:childTnLst>
+                                </p:cTn>
+                              </p:par>
+                            </p:childTnLst>
+                          </p:cTn>
+                        </p:par>
+                      </p:childTnLst>
+                    </p:cTn>
+                  </p:par>
+                </p:childTnLst>
+              </p:cTn>
+              <p:prevCondLst>
+                <p:cond evt="onPrev" delay="0">
+                  <p:tgtEl>
+                    <p:sldTgt/>
+                  </p:tgtEl>
+                </p:cond>
+              </p:prevCondLst>
+              <p:nextCondLst>
+                <p:cond evt="onNext" delay="0">
+                  <p:tgtEl>
+                    <p:sldTgt/>
+                  </p:tgtEl>
+                </p:cond>
+              </p:nextCondLst>
+            </p:seq>
+          </p:childTnLst>
+        </p:cTn>
       </p:par>
     </p:tnLst>
+    <p:bldLst>
+      <p:bldP spid="3" grpId="0"/>
+    </p:bldLst>
   </p:timing>
 </p:sld>
 </file>
